--- a/Shlok_PBL.pptx
+++ b/Shlok_PBL.pptx
@@ -5,27 +5,28 @@
     <p:sldMasterId id="2147483648" r:id="rId1"/>
   </p:sldMasterIdLst>
   <p:notesMasterIdLst>
-    <p:notesMasterId r:id="rId20"/>
+    <p:notesMasterId r:id="rId21"/>
   </p:notesMasterIdLst>
   <p:sldIdLst>
     <p:sldId id="256" r:id="rId2"/>
     <p:sldId id="257" r:id="rId3"/>
     <p:sldId id="258" r:id="rId4"/>
     <p:sldId id="268" r:id="rId5"/>
-    <p:sldId id="259" r:id="rId6"/>
-    <p:sldId id="269" r:id="rId7"/>
-    <p:sldId id="260" r:id="rId8"/>
-    <p:sldId id="262" r:id="rId9"/>
-    <p:sldId id="261" r:id="rId10"/>
-    <p:sldId id="270" r:id="rId11"/>
-    <p:sldId id="271" r:id="rId12"/>
-    <p:sldId id="272" r:id="rId13"/>
-    <p:sldId id="266" r:id="rId14"/>
-    <p:sldId id="273" r:id="rId15"/>
-    <p:sldId id="274" r:id="rId16"/>
-    <p:sldId id="267" r:id="rId17"/>
-    <p:sldId id="263" r:id="rId18"/>
-    <p:sldId id="264" r:id="rId19"/>
+    <p:sldId id="275" r:id="rId6"/>
+    <p:sldId id="259" r:id="rId7"/>
+    <p:sldId id="269" r:id="rId8"/>
+    <p:sldId id="260" r:id="rId9"/>
+    <p:sldId id="262" r:id="rId10"/>
+    <p:sldId id="261" r:id="rId11"/>
+    <p:sldId id="270" r:id="rId12"/>
+    <p:sldId id="271" r:id="rId13"/>
+    <p:sldId id="272" r:id="rId14"/>
+    <p:sldId id="266" r:id="rId15"/>
+    <p:sldId id="273" r:id="rId16"/>
+    <p:sldId id="274" r:id="rId17"/>
+    <p:sldId id="267" r:id="rId18"/>
+    <p:sldId id="263" r:id="rId19"/>
+    <p:sldId id="264" r:id="rId20"/>
   </p:sldIdLst>
   <p:sldSz cx="12192000" cy="6858000"/>
   <p:notesSz cx="6858000" cy="9144000"/>
@@ -130,6 +131,97 @@
     </p:ext>
   </p:extLst>
 </p:presentation>
+</file>
+
+<file path=ppt/revisionInfo.xml><?xml version="1.0" encoding="utf-8"?>
+<p1510:revInfo xmlns:a="http://schemas.openxmlformats.org/drawingml/2006/main" xmlns:r="http://schemas.openxmlformats.org/officeDocument/2006/relationships" xmlns:p1510="http://schemas.microsoft.com/office/powerpoint/2015/10/main">
+  <p1510:revLst>
+    <p1510:client id="{AA2EB77A-8C08-4BE1-8E4D-C8FC48DE705E}" v="1" dt="2026-02-15T09:56:09.042"/>
+  </p1510:revLst>
+</p1510:revInfo>
+</file>
+
+<file path=ppt/changesInfos/changesInfo1.xml><?xml version="1.0" encoding="utf-8"?>
+<pc:chgInfo xmlns:a="http://schemas.openxmlformats.org/drawingml/2006/main" xmlns:r="http://schemas.openxmlformats.org/officeDocument/2006/relationships" xmlns:ac="http://schemas.microsoft.com/office/drawing/2013/main/command" xmlns:pc="http://schemas.microsoft.com/office/powerpoint/2013/main/command">
+  <pc:docChgLst>
+    <pc:chgData name="Shlok Mishra" userId="f39131b2fa7ce376" providerId="LiveId" clId="{1A2952F3-5A5C-45FF-AD89-A4092F607D3B}"/>
+    <pc:docChg chg="custSel addSld modSld">
+      <pc:chgData name="Shlok Mishra" userId="f39131b2fa7ce376" providerId="LiveId" clId="{1A2952F3-5A5C-45FF-AD89-A4092F607D3B}" dt="2026-02-15T09:56:27.997" v="13" actId="14100"/>
+      <pc:docMkLst>
+        <pc:docMk/>
+      </pc:docMkLst>
+      <pc:sldChg chg="modSp mod">
+        <pc:chgData name="Shlok Mishra" userId="f39131b2fa7ce376" providerId="LiveId" clId="{1A2952F3-5A5C-45FF-AD89-A4092F607D3B}" dt="2026-02-15T09:55:52.062" v="5" actId="1076"/>
+        <pc:sldMkLst>
+          <pc:docMk/>
+          <pc:sldMk cId="1077724860" sldId="261"/>
+        </pc:sldMkLst>
+        <pc:spChg chg="mod">
+          <ac:chgData name="Shlok Mishra" userId="f39131b2fa7ce376" providerId="LiveId" clId="{1A2952F3-5A5C-45FF-AD89-A4092F607D3B}" dt="2026-02-15T09:55:47.943" v="4" actId="1076"/>
+          <ac:spMkLst>
+            <pc:docMk/>
+            <pc:sldMk cId="1077724860" sldId="261"/>
+            <ac:spMk id="2" creationId="{EAC2C796-D371-7EE6-056A-4956DC25840D}"/>
+          </ac:spMkLst>
+        </pc:spChg>
+        <pc:spChg chg="mod">
+          <ac:chgData name="Shlok Mishra" userId="f39131b2fa7ce376" providerId="LiveId" clId="{1A2952F3-5A5C-45FF-AD89-A4092F607D3B}" dt="2026-02-15T09:55:34.015" v="0" actId="20577"/>
+          <ac:spMkLst>
+            <pc:docMk/>
+            <pc:sldMk cId="1077724860" sldId="261"/>
+            <ac:spMk id="3" creationId="{F7E7EF98-E6AD-70D5-2BE9-3A859F15DFF4}"/>
+          </ac:spMkLst>
+        </pc:spChg>
+        <pc:picChg chg="mod">
+          <ac:chgData name="Shlok Mishra" userId="f39131b2fa7ce376" providerId="LiveId" clId="{1A2952F3-5A5C-45FF-AD89-A4092F607D3B}" dt="2026-02-15T09:55:52.062" v="5" actId="1076"/>
+          <ac:picMkLst>
+            <pc:docMk/>
+            <pc:sldMk cId="1077724860" sldId="261"/>
+            <ac:picMk id="5" creationId="{88020009-06F6-5FD5-C783-1902A45F1580}"/>
+          </ac:picMkLst>
+        </pc:picChg>
+      </pc:sldChg>
+      <pc:sldChg chg="delSp mod">
+        <pc:chgData name="Shlok Mishra" userId="f39131b2fa7ce376" providerId="LiveId" clId="{1A2952F3-5A5C-45FF-AD89-A4092F607D3B}" dt="2026-02-15T09:56:03.011" v="6" actId="21"/>
+        <pc:sldMkLst>
+          <pc:docMk/>
+          <pc:sldMk cId="2065781088" sldId="268"/>
+        </pc:sldMkLst>
+        <pc:picChg chg="del">
+          <ac:chgData name="Shlok Mishra" userId="f39131b2fa7ce376" providerId="LiveId" clId="{1A2952F3-5A5C-45FF-AD89-A4092F607D3B}" dt="2026-02-15T09:56:03.011" v="6" actId="21"/>
+          <ac:picMkLst>
+            <pc:docMk/>
+            <pc:sldMk cId="2065781088" sldId="268"/>
+            <ac:picMk id="5" creationId="{0B1CDB59-5FCD-CEE6-F6C9-53C70152DF58}"/>
+          </ac:picMkLst>
+        </pc:picChg>
+      </pc:sldChg>
+      <pc:sldChg chg="addSp delSp modSp new mod">
+        <pc:chgData name="Shlok Mishra" userId="f39131b2fa7ce376" providerId="LiveId" clId="{1A2952F3-5A5C-45FF-AD89-A4092F607D3B}" dt="2026-02-15T09:56:27.997" v="13" actId="14100"/>
+        <pc:sldMkLst>
+          <pc:docMk/>
+          <pc:sldMk cId="998812809" sldId="275"/>
+        </pc:sldMkLst>
+        <pc:spChg chg="del">
+          <ac:chgData name="Shlok Mishra" userId="f39131b2fa7ce376" providerId="LiveId" clId="{1A2952F3-5A5C-45FF-AD89-A4092F607D3B}" dt="2026-02-15T09:56:09.041" v="8"/>
+          <ac:spMkLst>
+            <pc:docMk/>
+            <pc:sldMk cId="998812809" sldId="275"/>
+            <ac:spMk id="3" creationId="{7AAFF354-1BA1-8B16-A790-2E2ADED8FD80}"/>
+          </ac:spMkLst>
+        </pc:spChg>
+        <pc:picChg chg="add mod">
+          <ac:chgData name="Shlok Mishra" userId="f39131b2fa7ce376" providerId="LiveId" clId="{1A2952F3-5A5C-45FF-AD89-A4092F607D3B}" dt="2026-02-15T09:56:27.997" v="13" actId="14100"/>
+          <ac:picMkLst>
+            <pc:docMk/>
+            <pc:sldMk cId="998812809" sldId="275"/>
+            <ac:picMk id="5" creationId="{0B1CDB59-5FCD-CEE6-F6C9-53C70152DF58}"/>
+          </ac:picMkLst>
+        </pc:picChg>
+      </pc:sldChg>
+    </pc:docChg>
+  </pc:docChgLst>
+</pc:chgInfo>
 </file>
 
 <file path=ppt/notesMasters/notesMaster1.xml><?xml version="1.0" encoding="utf-8"?>
@@ -547,7 +639,7 @@
           <a:p>
             <a:fld id="{5683E88C-5F34-4F91-AF49-72987AC9F2E4}" type="slidenum">
               <a:rPr lang="en-IN" smtClean="0"/>
-              <a:t>15</a:t>
+              <a:t>16</a:t>
             </a:fld>
             <a:endParaRPr lang="en-IN"/>
           </a:p>
@@ -4233,7 +4325,7 @@
           <p:cNvPr id="2" name="Title 1">
             <a:extLst>
               <a:ext uri="{FF2B5EF4-FFF2-40B4-BE49-F238E27FC236}">
-                <a16:creationId xmlns:a16="http://schemas.microsoft.com/office/drawing/2014/main" id="{EFD8C616-BDE8-703A-6252-80BCA3235DEE}"/>
+                <a16:creationId xmlns:a16="http://schemas.microsoft.com/office/drawing/2014/main" id="{EAC2C796-D371-7EE6-056A-4956DC25840D}"/>
               </a:ext>
             </a:extLst>
           </p:cNvPr>
@@ -4244,106 +4336,85 @@
             <p:ph type="title"/>
           </p:nvPr>
         </p:nvSpPr>
+        <p:spPr>
+          <a:xfrm>
+            <a:off x="838200" y="18255"/>
+            <a:ext cx="10515600" cy="1325563"/>
+          </a:xfrm>
+        </p:spPr>
+        <p:txBody>
+          <a:bodyPr/>
+          <a:lstStyle/>
+          <a:p>
+            <a:r>
+              <a:rPr lang="en-IN" dirty="0"/>
+              <a:t>Proposed Methodology</a:t>
+            </a:r>
+          </a:p>
+        </p:txBody>
+      </p:sp>
+      <p:sp>
+        <p:nvSpPr>
+          <p:cNvPr id="3" name="Content Placeholder 2">
+            <a:extLst>
+              <a:ext uri="{FF2B5EF4-FFF2-40B4-BE49-F238E27FC236}">
+                <a16:creationId xmlns:a16="http://schemas.microsoft.com/office/drawing/2014/main" id="{F7E7EF98-E6AD-70D5-2BE9-3A859F15DFF4}"/>
+              </a:ext>
+            </a:extLst>
+          </p:cNvPr>
+          <p:cNvSpPr>
+            <a:spLocks noGrp="1"/>
+          </p:cNvSpPr>
+          <p:nvPr>
+            <p:ph idx="1"/>
+          </p:nvPr>
+        </p:nvSpPr>
         <p:spPr/>
         <p:txBody>
           <a:bodyPr/>
           <a:lstStyle/>
           <a:p>
-            <a:endParaRPr lang="en-IN"/>
-          </a:p>
-        </p:txBody>
-      </p:sp>
-      <p:sp>
-        <p:nvSpPr>
-          <p:cNvPr id="3" name="Content Placeholder 2">
-            <a:extLst>
-              <a:ext uri="{FF2B5EF4-FFF2-40B4-BE49-F238E27FC236}">
-                <a16:creationId xmlns:a16="http://schemas.microsoft.com/office/drawing/2014/main" id="{C802CA1D-B2CB-F61A-1D93-DC6D78C7A64E}"/>
-              </a:ext>
-            </a:extLst>
-          </p:cNvPr>
-          <p:cNvSpPr>
-            <a:spLocks noGrp="1"/>
-          </p:cNvSpPr>
-          <p:nvPr>
-            <p:ph idx="1"/>
-          </p:nvPr>
-        </p:nvSpPr>
-        <p:spPr/>
-        <p:txBody>
-          <a:bodyPr>
-            <a:normAutofit/>
-          </a:bodyPr>
-          <a:lstStyle/>
-          <a:p>
             <a:pPr marL="0" indent="0">
               <a:buNone/>
             </a:pPr>
-            <a:r>
-              <a:rPr lang="en-US" sz="2400" b="1" dirty="0"/>
-              <a:t>Image Preprocessing</a:t>
-            </a:r>
-          </a:p>
-          <a:p>
-            <a:r>
-              <a:rPr lang="en-US" sz="2400" dirty="0"/>
-              <a:t>Grayscale conversion</a:t>
-            </a:r>
-          </a:p>
-          <a:p>
-            <a:r>
-              <a:rPr lang="en-US" sz="2400" dirty="0"/>
-              <a:t>Noise removal</a:t>
-            </a:r>
-          </a:p>
-          <a:p>
-            <a:r>
-              <a:rPr lang="en-US" sz="2400" dirty="0"/>
-              <a:t>Thresholding</a:t>
-            </a:r>
-          </a:p>
-          <a:p>
-            <a:r>
-              <a:rPr lang="en-US" sz="2400" dirty="0"/>
-              <a:t>Image sharpening</a:t>
-            </a:r>
-          </a:p>
-          <a:p>
-            <a:pPr marL="0" indent="0">
-              <a:buNone/>
-            </a:pPr>
-            <a:r>
-              <a:rPr lang="en-US" sz="2400" b="1" dirty="0"/>
-              <a:t>OCR Extraction</a:t>
-            </a:r>
-          </a:p>
-          <a:p>
-            <a:r>
-              <a:rPr lang="en-US" sz="2400" dirty="0"/>
-              <a:t>Detect characters</a:t>
-            </a:r>
-          </a:p>
-          <a:p>
-            <a:r>
-              <a:rPr lang="en-US" sz="2400" dirty="0"/>
-              <a:t>Recognize words</a:t>
-            </a:r>
-          </a:p>
-          <a:p>
-            <a:r>
-              <a:rPr lang="en-US" sz="2400" dirty="0"/>
-              <a:t>Convert image text to digital English text</a:t>
-            </a:r>
-          </a:p>
-          <a:p>
-            <a:endParaRPr lang="en-IN" dirty="0"/>
-          </a:p>
-        </p:txBody>
-      </p:sp>
+            <a:endParaRPr lang="en-IN" u="sng" dirty="0"/>
+          </a:p>
+        </p:txBody>
+      </p:sp>
+      <p:pic>
+        <p:nvPicPr>
+          <p:cNvPr id="5" name="Picture 4">
+            <a:extLst>
+              <a:ext uri="{FF2B5EF4-FFF2-40B4-BE49-F238E27FC236}">
+                <a16:creationId xmlns:a16="http://schemas.microsoft.com/office/drawing/2014/main" id="{88020009-06F6-5FD5-C783-1902A45F1580}"/>
+              </a:ext>
+            </a:extLst>
+          </p:cNvPr>
+          <p:cNvPicPr>
+            <a:picLocks noChangeAspect="1"/>
+          </p:cNvPicPr>
+          <p:nvPr/>
+        </p:nvPicPr>
+        <p:blipFill>
+          <a:blip r:embed="rId2"/>
+          <a:stretch>
+            <a:fillRect/>
+          </a:stretch>
+        </p:blipFill>
+        <p:spPr>
+          <a:xfrm>
+            <a:off x="2114751" y="1052541"/>
+            <a:ext cx="8191098" cy="5597641"/>
+          </a:xfrm>
+          <a:prstGeom prst="rect">
+            <a:avLst/>
+          </a:prstGeom>
+        </p:spPr>
+      </p:pic>
     </p:spTree>
     <p:extLst>
       <p:ext uri="{BB962C8B-B14F-4D97-AF65-F5344CB8AC3E}">
-        <p14:creationId xmlns:p14="http://schemas.microsoft.com/office/powerpoint/2010/main" val="3796984115"/>
+        <p14:creationId xmlns:p14="http://schemas.microsoft.com/office/powerpoint/2010/main" val="1077724860"/>
       </p:ext>
     </p:extLst>
   </p:cSld>
@@ -4375,7 +4446,7 @@
           <p:cNvPr id="2" name="Title 1">
             <a:extLst>
               <a:ext uri="{FF2B5EF4-FFF2-40B4-BE49-F238E27FC236}">
-                <a16:creationId xmlns:a16="http://schemas.microsoft.com/office/drawing/2014/main" id="{DD4E5019-A85B-5772-6527-6336B7143192}"/>
+                <a16:creationId xmlns:a16="http://schemas.microsoft.com/office/drawing/2014/main" id="{EFD8C616-BDE8-703A-6252-80BCA3235DEE}"/>
               </a:ext>
             </a:extLst>
           </p:cNvPr>
@@ -4400,7 +4471,7 @@
           <p:cNvPr id="3" name="Content Placeholder 2">
             <a:extLst>
               <a:ext uri="{FF2B5EF4-FFF2-40B4-BE49-F238E27FC236}">
-                <a16:creationId xmlns:a16="http://schemas.microsoft.com/office/drawing/2014/main" id="{4DE3F174-CEC8-40B5-3DFC-C05DE86437D0}"/>
+                <a16:creationId xmlns:a16="http://schemas.microsoft.com/office/drawing/2014/main" id="{C802CA1D-B2CB-F61A-1D93-DC6D78C7A64E}"/>
               </a:ext>
             </a:extLst>
           </p:cNvPr>
@@ -4414,7 +4485,7 @@
         <p:spPr/>
         <p:txBody>
           <a:bodyPr>
-            <a:normAutofit fontScale="92500" lnSpcReduction="10000"/>
+            <a:normAutofit/>
           </a:bodyPr>
           <a:lstStyle/>
           <a:p>
@@ -4422,26 +4493,32 @@
               <a:buNone/>
             </a:pPr>
             <a:r>
-              <a:rPr lang="en-IN" sz="2600" b="1" dirty="0"/>
-              <a:t>Transformer Architecture Components</a:t>
-            </a:r>
-          </a:p>
-          <a:p>
-            <a:r>
-              <a:rPr lang="en-IN" sz="2600" dirty="0"/>
-              <a:t>Encoder</a:t>
-            </a:r>
-          </a:p>
-          <a:p>
-            <a:r>
-              <a:rPr lang="en-IN" sz="2600" dirty="0"/>
-              <a:t>Decoder</a:t>
-            </a:r>
-          </a:p>
-          <a:p>
-            <a:r>
-              <a:rPr lang="en-IN" sz="2600" dirty="0"/>
-              <a:t>Attention Mechanism</a:t>
+              <a:rPr lang="en-US" sz="2400" b="1" dirty="0"/>
+              <a:t>Image Preprocessing</a:t>
+            </a:r>
+          </a:p>
+          <a:p>
+            <a:r>
+              <a:rPr lang="en-US" sz="2400" dirty="0"/>
+              <a:t>Grayscale conversion</a:t>
+            </a:r>
+          </a:p>
+          <a:p>
+            <a:r>
+              <a:rPr lang="en-US" sz="2400" dirty="0"/>
+              <a:t>Noise removal</a:t>
+            </a:r>
+          </a:p>
+          <a:p>
+            <a:r>
+              <a:rPr lang="en-US" sz="2400" dirty="0"/>
+              <a:t>Thresholding</a:t>
+            </a:r>
+          </a:p>
+          <a:p>
+            <a:r>
+              <a:rPr lang="en-US" sz="2400" dirty="0"/>
+              <a:t>Image sharpening</a:t>
             </a:r>
           </a:p>
           <a:p>
@@ -4449,44 +4526,26 @@
               <a:buNone/>
             </a:pPr>
             <a:r>
-              <a:rPr lang="en-IN" sz="2600" b="1" dirty="0"/>
-              <a:t>Working</a:t>
-            </a:r>
-          </a:p>
-          <a:p>
-            <a:pPr marL="0" indent="0">
-              <a:buNone/>
-            </a:pPr>
-            <a:r>
-              <a:rPr lang="en-IN" sz="2600" dirty="0"/>
-              <a:t>Encoder:</a:t>
-            </a:r>
-          </a:p>
-          <a:p>
-            <a:r>
-              <a:rPr lang="en-IN" sz="2600" dirty="0"/>
-              <a:t>Reads English sentence</a:t>
-            </a:r>
-          </a:p>
-          <a:p>
-            <a:r>
-              <a:rPr lang="en-IN" sz="2600" dirty="0"/>
-              <a:t>Understands context</a:t>
-            </a:r>
-          </a:p>
-          <a:p>
-            <a:pPr marL="0" indent="0">
-              <a:buNone/>
-            </a:pPr>
-            <a:r>
-              <a:rPr lang="en-IN" sz="2600" dirty="0"/>
-              <a:t>Decoder:</a:t>
-            </a:r>
-          </a:p>
-          <a:p>
-            <a:r>
-              <a:rPr lang="en-IN" sz="2600" dirty="0"/>
-              <a:t>Generates Hindi sentence word-by-word</a:t>
+              <a:rPr lang="en-US" sz="2400" b="1" dirty="0"/>
+              <a:t>OCR Extraction</a:t>
+            </a:r>
+          </a:p>
+          <a:p>
+            <a:r>
+              <a:rPr lang="en-US" sz="2400" dirty="0"/>
+              <a:t>Detect characters</a:t>
+            </a:r>
+          </a:p>
+          <a:p>
+            <a:r>
+              <a:rPr lang="en-US" sz="2400" dirty="0"/>
+              <a:t>Recognize words</a:t>
+            </a:r>
+          </a:p>
+          <a:p>
+            <a:r>
+              <a:rPr lang="en-US" sz="2400" dirty="0"/>
+              <a:t>Convert image text to digital English text</a:t>
             </a:r>
           </a:p>
           <a:p>
@@ -4497,7 +4556,7 @@
     </p:spTree>
     <p:extLst>
       <p:ext uri="{BB962C8B-B14F-4D97-AF65-F5344CB8AC3E}">
-        <p14:creationId xmlns:p14="http://schemas.microsoft.com/office/powerpoint/2010/main" val="680818046"/>
+        <p14:creationId xmlns:p14="http://schemas.microsoft.com/office/powerpoint/2010/main" val="3796984115"/>
       </p:ext>
     </p:extLst>
   </p:cSld>
@@ -4529,6 +4588,160 @@
           <p:cNvPr id="2" name="Title 1">
             <a:extLst>
               <a:ext uri="{FF2B5EF4-FFF2-40B4-BE49-F238E27FC236}">
+                <a16:creationId xmlns:a16="http://schemas.microsoft.com/office/drawing/2014/main" id="{DD4E5019-A85B-5772-6527-6336B7143192}"/>
+              </a:ext>
+            </a:extLst>
+          </p:cNvPr>
+          <p:cNvSpPr>
+            <a:spLocks noGrp="1"/>
+          </p:cNvSpPr>
+          <p:nvPr>
+            <p:ph type="title"/>
+          </p:nvPr>
+        </p:nvSpPr>
+        <p:spPr/>
+        <p:txBody>
+          <a:bodyPr/>
+          <a:lstStyle/>
+          <a:p>
+            <a:endParaRPr lang="en-IN"/>
+          </a:p>
+        </p:txBody>
+      </p:sp>
+      <p:sp>
+        <p:nvSpPr>
+          <p:cNvPr id="3" name="Content Placeholder 2">
+            <a:extLst>
+              <a:ext uri="{FF2B5EF4-FFF2-40B4-BE49-F238E27FC236}">
+                <a16:creationId xmlns:a16="http://schemas.microsoft.com/office/drawing/2014/main" id="{4DE3F174-CEC8-40B5-3DFC-C05DE86437D0}"/>
+              </a:ext>
+            </a:extLst>
+          </p:cNvPr>
+          <p:cNvSpPr>
+            <a:spLocks noGrp="1"/>
+          </p:cNvSpPr>
+          <p:nvPr>
+            <p:ph idx="1"/>
+          </p:nvPr>
+        </p:nvSpPr>
+        <p:spPr/>
+        <p:txBody>
+          <a:bodyPr>
+            <a:normAutofit fontScale="92500" lnSpcReduction="10000"/>
+          </a:bodyPr>
+          <a:lstStyle/>
+          <a:p>
+            <a:pPr marL="0" indent="0">
+              <a:buNone/>
+            </a:pPr>
+            <a:r>
+              <a:rPr lang="en-IN" sz="2600" b="1" dirty="0"/>
+              <a:t>Transformer Architecture Components</a:t>
+            </a:r>
+          </a:p>
+          <a:p>
+            <a:r>
+              <a:rPr lang="en-IN" sz="2600" dirty="0"/>
+              <a:t>Encoder</a:t>
+            </a:r>
+          </a:p>
+          <a:p>
+            <a:r>
+              <a:rPr lang="en-IN" sz="2600" dirty="0"/>
+              <a:t>Decoder</a:t>
+            </a:r>
+          </a:p>
+          <a:p>
+            <a:r>
+              <a:rPr lang="en-IN" sz="2600" dirty="0"/>
+              <a:t>Attention Mechanism</a:t>
+            </a:r>
+          </a:p>
+          <a:p>
+            <a:pPr marL="0" indent="0">
+              <a:buNone/>
+            </a:pPr>
+            <a:r>
+              <a:rPr lang="en-IN" sz="2600" b="1" dirty="0"/>
+              <a:t>Working</a:t>
+            </a:r>
+          </a:p>
+          <a:p>
+            <a:pPr marL="0" indent="0">
+              <a:buNone/>
+            </a:pPr>
+            <a:r>
+              <a:rPr lang="en-IN" sz="2600" dirty="0"/>
+              <a:t>Encoder:</a:t>
+            </a:r>
+          </a:p>
+          <a:p>
+            <a:r>
+              <a:rPr lang="en-IN" sz="2600" dirty="0"/>
+              <a:t>Reads English sentence</a:t>
+            </a:r>
+          </a:p>
+          <a:p>
+            <a:r>
+              <a:rPr lang="en-IN" sz="2600" dirty="0"/>
+              <a:t>Understands context</a:t>
+            </a:r>
+          </a:p>
+          <a:p>
+            <a:pPr marL="0" indent="0">
+              <a:buNone/>
+            </a:pPr>
+            <a:r>
+              <a:rPr lang="en-IN" sz="2600" dirty="0"/>
+              <a:t>Decoder:</a:t>
+            </a:r>
+          </a:p>
+          <a:p>
+            <a:r>
+              <a:rPr lang="en-IN" sz="2600" dirty="0"/>
+              <a:t>Generates Hindi sentence word-by-word</a:t>
+            </a:r>
+          </a:p>
+          <a:p>
+            <a:endParaRPr lang="en-IN" dirty="0"/>
+          </a:p>
+        </p:txBody>
+      </p:sp>
+    </p:spTree>
+    <p:extLst>
+      <p:ext uri="{BB962C8B-B14F-4D97-AF65-F5344CB8AC3E}">
+        <p14:creationId xmlns:p14="http://schemas.microsoft.com/office/powerpoint/2010/main" val="680818046"/>
+      </p:ext>
+    </p:extLst>
+  </p:cSld>
+  <p:clrMapOvr>
+    <a:masterClrMapping/>
+  </p:clrMapOvr>
+</p:sld>
+</file>
+
+<file path=ppt/slides/slide13.xml><?xml version="1.0" encoding="utf-8"?>
+<p:sld xmlns:a="http://schemas.openxmlformats.org/drawingml/2006/main" xmlns:r="http://schemas.openxmlformats.org/officeDocument/2006/relationships" xmlns:p="http://schemas.openxmlformats.org/presentationml/2006/main">
+  <p:cSld>
+    <p:spTree>
+      <p:nvGrpSpPr>
+        <p:cNvPr id="1" name=""/>
+        <p:cNvGrpSpPr/>
+        <p:nvPr/>
+      </p:nvGrpSpPr>
+      <p:grpSpPr>
+        <a:xfrm>
+          <a:off x="0" y="0"/>
+          <a:ext cx="0" cy="0"/>
+          <a:chOff x="0" y="0"/>
+          <a:chExt cx="0" cy="0"/>
+        </a:xfrm>
+      </p:grpSpPr>
+      <p:sp>
+        <p:nvSpPr>
+          <p:cNvPr id="2" name="Title 1">
+            <a:extLst>
+              <a:ext uri="{FF2B5EF4-FFF2-40B4-BE49-F238E27FC236}">
                 <a16:creationId xmlns:a16="http://schemas.microsoft.com/office/drawing/2014/main" id="{3F955D98-0C95-3F13-7DF9-F1FC353BDA79}"/>
               </a:ext>
             </a:extLst>
@@ -4639,7 +4852,7 @@
 </p:sld>
 </file>
 
-<file path=ppt/slides/slide13.xml><?xml version="1.0" encoding="utf-8"?>
+<file path=ppt/slides/slide14.xml><?xml version="1.0" encoding="utf-8"?>
 <p:sld xmlns:a="http://schemas.openxmlformats.org/drawingml/2006/main" xmlns:r="http://schemas.openxmlformats.org/officeDocument/2006/relationships" xmlns:p="http://schemas.openxmlformats.org/presentationml/2006/main">
   <p:cSld>
     <p:spTree>
@@ -4758,7 +4971,7 @@
 </p:sld>
 </file>
 
-<file path=ppt/slides/slide14.xml><?xml version="1.0" encoding="utf-8"?>
+<file path=ppt/slides/slide15.xml><?xml version="1.0" encoding="utf-8"?>
 <p:sld xmlns:a="http://schemas.openxmlformats.org/drawingml/2006/main" xmlns:r="http://schemas.openxmlformats.org/officeDocument/2006/relationships" xmlns:p="http://schemas.openxmlformats.org/presentationml/2006/main">
   <p:cSld>
     <p:spTree>
@@ -4890,7 +5103,7 @@
 </p:sld>
 </file>
 
-<file path=ppt/slides/slide15.xml><?xml version="1.0" encoding="utf-8"?>
+<file path=ppt/slides/slide16.xml><?xml version="1.0" encoding="utf-8"?>
 <p:sld xmlns:a="http://schemas.openxmlformats.org/drawingml/2006/main" xmlns:r="http://schemas.openxmlformats.org/officeDocument/2006/relationships" xmlns:p="http://schemas.openxmlformats.org/presentationml/2006/main">
   <p:cSld>
     <p:spTree>
@@ -5235,142 +5448,6 @@
 </p:sld>
 </file>
 
-<file path=ppt/slides/slide16.xml><?xml version="1.0" encoding="utf-8"?>
-<p:sld xmlns:a="http://schemas.openxmlformats.org/drawingml/2006/main" xmlns:r="http://schemas.openxmlformats.org/officeDocument/2006/relationships" xmlns:p="http://schemas.openxmlformats.org/presentationml/2006/main">
-  <p:cSld>
-    <p:spTree>
-      <p:nvGrpSpPr>
-        <p:cNvPr id="1" name=""/>
-        <p:cNvGrpSpPr/>
-        <p:nvPr/>
-      </p:nvGrpSpPr>
-      <p:grpSpPr>
-        <a:xfrm>
-          <a:off x="0" y="0"/>
-          <a:ext cx="0" cy="0"/>
-          <a:chOff x="0" y="0"/>
-          <a:chExt cx="0" cy="0"/>
-        </a:xfrm>
-      </p:grpSpPr>
-      <p:sp>
-        <p:nvSpPr>
-          <p:cNvPr id="2" name="Title 1">
-            <a:extLst>
-              <a:ext uri="{FF2B5EF4-FFF2-40B4-BE49-F238E27FC236}">
-                <a16:creationId xmlns:a16="http://schemas.microsoft.com/office/drawing/2014/main" id="{ABB19452-3000-DF4A-F633-2C06CB0E4BBE}"/>
-              </a:ext>
-            </a:extLst>
-          </p:cNvPr>
-          <p:cNvSpPr>
-            <a:spLocks noGrp="1"/>
-          </p:cNvSpPr>
-          <p:nvPr>
-            <p:ph type="title"/>
-          </p:nvPr>
-        </p:nvSpPr>
-        <p:spPr/>
-        <p:txBody>
-          <a:bodyPr/>
-          <a:lstStyle/>
-          <a:p>
-            <a:r>
-              <a:rPr lang="en-US" dirty="0"/>
-              <a:t>Outcome and Future Work </a:t>
-            </a:r>
-          </a:p>
-        </p:txBody>
-      </p:sp>
-      <p:sp>
-        <p:nvSpPr>
-          <p:cNvPr id="3" name="Content Placeholder 2">
-            <a:extLst>
-              <a:ext uri="{FF2B5EF4-FFF2-40B4-BE49-F238E27FC236}">
-                <a16:creationId xmlns:a16="http://schemas.microsoft.com/office/drawing/2014/main" id="{996084D1-BF8A-599C-4DEE-5FD15C78EC1C}"/>
-              </a:ext>
-            </a:extLst>
-          </p:cNvPr>
-          <p:cNvSpPr>
-            <a:spLocks noGrp="1"/>
-          </p:cNvSpPr>
-          <p:nvPr>
-            <p:ph idx="1"/>
-          </p:nvPr>
-        </p:nvSpPr>
-        <p:spPr/>
-        <p:txBody>
-          <a:bodyPr>
-            <a:normAutofit/>
-          </a:bodyPr>
-          <a:lstStyle/>
-          <a:p>
-            <a:pPr marL="0" indent="0">
-              <a:buNone/>
-            </a:pPr>
-            <a:r>
-              <a:rPr lang="en-US" sz="2400" b="1" dirty="0"/>
-              <a:t>Future Work:</a:t>
-            </a:r>
-          </a:p>
-          <a:p>
-            <a:r>
-              <a:rPr lang="en-US" sz="2400" dirty="0"/>
-              <a:t>Integrate OCR with translation</a:t>
-            </a:r>
-          </a:p>
-          <a:p>
-            <a:r>
-              <a:rPr lang="en-US" sz="2400" dirty="0"/>
-              <a:t>Complete image-to-Hindi pipeline</a:t>
-            </a:r>
-          </a:p>
-          <a:p>
-            <a:r>
-              <a:rPr lang="en-US" sz="2400" dirty="0"/>
-              <a:t>Improve translation accuracy</a:t>
-            </a:r>
-          </a:p>
-          <a:p>
-            <a:r>
-              <a:rPr lang="en-US" sz="2400" dirty="0"/>
-              <a:t>Create a user interface</a:t>
-            </a:r>
-          </a:p>
-          <a:p>
-            <a:pPr marL="0" indent="0">
-              <a:buNone/>
-            </a:pPr>
-            <a:r>
-              <a:rPr lang="en-US" sz="2400" b="1" dirty="0"/>
-              <a:t>Expected Outcomes</a:t>
-            </a:r>
-          </a:p>
-          <a:p>
-            <a:r>
-              <a:rPr lang="en-US" sz="2400" dirty="0"/>
-              <a:t>Research Paper (Drafted)</a:t>
-            </a:r>
-          </a:p>
-          <a:p>
-            <a:r>
-              <a:rPr lang="en-US" sz="2400" dirty="0"/>
-              <a:t>Real-time deployment (Partially completed)</a:t>
-            </a:r>
-          </a:p>
-        </p:txBody>
-      </p:sp>
-    </p:spTree>
-    <p:extLst>
-      <p:ext uri="{BB962C8B-B14F-4D97-AF65-F5344CB8AC3E}">
-        <p14:creationId xmlns:p14="http://schemas.microsoft.com/office/powerpoint/2010/main" val="2154956931"/>
-      </p:ext>
-    </p:extLst>
-  </p:cSld>
-  <p:clrMapOvr>
-    <a:masterClrMapping/>
-  </p:clrMapOvr>
-</p:sld>
-</file>
-
 <file path=ppt/slides/slide17.xml><?xml version="1.0" encoding="utf-8"?>
 <p:sld xmlns:a="http://schemas.openxmlformats.org/drawingml/2006/main" xmlns:r="http://schemas.openxmlformats.org/officeDocument/2006/relationships" xmlns:p="http://schemas.openxmlformats.org/presentationml/2006/main">
   <p:cSld>
@@ -5393,6 +5470,142 @@
           <p:cNvPr id="2" name="Title 1">
             <a:extLst>
               <a:ext uri="{FF2B5EF4-FFF2-40B4-BE49-F238E27FC236}">
+                <a16:creationId xmlns:a16="http://schemas.microsoft.com/office/drawing/2014/main" id="{ABB19452-3000-DF4A-F633-2C06CB0E4BBE}"/>
+              </a:ext>
+            </a:extLst>
+          </p:cNvPr>
+          <p:cNvSpPr>
+            <a:spLocks noGrp="1"/>
+          </p:cNvSpPr>
+          <p:nvPr>
+            <p:ph type="title"/>
+          </p:nvPr>
+        </p:nvSpPr>
+        <p:spPr/>
+        <p:txBody>
+          <a:bodyPr/>
+          <a:lstStyle/>
+          <a:p>
+            <a:r>
+              <a:rPr lang="en-US" dirty="0"/>
+              <a:t>Outcome and Future Work </a:t>
+            </a:r>
+          </a:p>
+        </p:txBody>
+      </p:sp>
+      <p:sp>
+        <p:nvSpPr>
+          <p:cNvPr id="3" name="Content Placeholder 2">
+            <a:extLst>
+              <a:ext uri="{FF2B5EF4-FFF2-40B4-BE49-F238E27FC236}">
+                <a16:creationId xmlns:a16="http://schemas.microsoft.com/office/drawing/2014/main" id="{996084D1-BF8A-599C-4DEE-5FD15C78EC1C}"/>
+              </a:ext>
+            </a:extLst>
+          </p:cNvPr>
+          <p:cNvSpPr>
+            <a:spLocks noGrp="1"/>
+          </p:cNvSpPr>
+          <p:nvPr>
+            <p:ph idx="1"/>
+          </p:nvPr>
+        </p:nvSpPr>
+        <p:spPr/>
+        <p:txBody>
+          <a:bodyPr>
+            <a:normAutofit/>
+          </a:bodyPr>
+          <a:lstStyle/>
+          <a:p>
+            <a:pPr marL="0" indent="0">
+              <a:buNone/>
+            </a:pPr>
+            <a:r>
+              <a:rPr lang="en-US" sz="2400" b="1" dirty="0"/>
+              <a:t>Future Work:</a:t>
+            </a:r>
+          </a:p>
+          <a:p>
+            <a:r>
+              <a:rPr lang="en-US" sz="2400" dirty="0"/>
+              <a:t>Integrate OCR with translation</a:t>
+            </a:r>
+          </a:p>
+          <a:p>
+            <a:r>
+              <a:rPr lang="en-US" sz="2400" dirty="0"/>
+              <a:t>Complete image-to-Hindi pipeline</a:t>
+            </a:r>
+          </a:p>
+          <a:p>
+            <a:r>
+              <a:rPr lang="en-US" sz="2400" dirty="0"/>
+              <a:t>Improve translation accuracy</a:t>
+            </a:r>
+          </a:p>
+          <a:p>
+            <a:r>
+              <a:rPr lang="en-US" sz="2400" dirty="0"/>
+              <a:t>Create a user interface</a:t>
+            </a:r>
+          </a:p>
+          <a:p>
+            <a:pPr marL="0" indent="0">
+              <a:buNone/>
+            </a:pPr>
+            <a:r>
+              <a:rPr lang="en-US" sz="2400" b="1" dirty="0"/>
+              <a:t>Expected Outcomes</a:t>
+            </a:r>
+          </a:p>
+          <a:p>
+            <a:r>
+              <a:rPr lang="en-US" sz="2400" dirty="0"/>
+              <a:t>Research Paper (Drafted)</a:t>
+            </a:r>
+          </a:p>
+          <a:p>
+            <a:r>
+              <a:rPr lang="en-US" sz="2400" dirty="0"/>
+              <a:t>Real-time deployment (Partially completed)</a:t>
+            </a:r>
+          </a:p>
+        </p:txBody>
+      </p:sp>
+    </p:spTree>
+    <p:extLst>
+      <p:ext uri="{BB962C8B-B14F-4D97-AF65-F5344CB8AC3E}">
+        <p14:creationId xmlns:p14="http://schemas.microsoft.com/office/powerpoint/2010/main" val="2154956931"/>
+      </p:ext>
+    </p:extLst>
+  </p:cSld>
+  <p:clrMapOvr>
+    <a:masterClrMapping/>
+  </p:clrMapOvr>
+</p:sld>
+</file>
+
+<file path=ppt/slides/slide18.xml><?xml version="1.0" encoding="utf-8"?>
+<p:sld xmlns:a="http://schemas.openxmlformats.org/drawingml/2006/main" xmlns:r="http://schemas.openxmlformats.org/officeDocument/2006/relationships" xmlns:p="http://schemas.openxmlformats.org/presentationml/2006/main">
+  <p:cSld>
+    <p:spTree>
+      <p:nvGrpSpPr>
+        <p:cNvPr id="1" name=""/>
+        <p:cNvGrpSpPr/>
+        <p:nvPr/>
+      </p:nvGrpSpPr>
+      <p:grpSpPr>
+        <a:xfrm>
+          <a:off x="0" y="0"/>
+          <a:ext cx="0" cy="0"/>
+          <a:chOff x="0" y="0"/>
+          <a:chExt cx="0" cy="0"/>
+        </a:xfrm>
+      </p:grpSpPr>
+      <p:sp>
+        <p:nvSpPr>
+          <p:cNvPr id="2" name="Title 1">
+            <a:extLst>
+              <a:ext uri="{FF2B5EF4-FFF2-40B4-BE49-F238E27FC236}">
                 <a16:creationId xmlns:a16="http://schemas.microsoft.com/office/drawing/2014/main" id="{5C6C5325-4A51-AE05-7BE6-440D74D0BCB6}"/>
               </a:ext>
             </a:extLst>
@@ -5460,7 +5673,7 @@
 </p:sld>
 </file>
 
-<file path=ppt/slides/slide18.xml><?xml version="1.0" encoding="utf-8"?>
+<file path=ppt/slides/slide19.xml><?xml version="1.0" encoding="utf-8"?>
 <p:sld xmlns:a="http://schemas.openxmlformats.org/drawingml/2006/main" xmlns:r="http://schemas.openxmlformats.org/officeDocument/2006/relationships" xmlns:p="http://schemas.openxmlformats.org/presentationml/2006/main">
   <p:cSld>
     <p:spTree>
@@ -5941,42 +6154,6 @@
           </a:p>
         </p:txBody>
       </p:sp>
-      <p:pic>
-        <p:nvPicPr>
-          <p:cNvPr id="5" name="Picture 4">
-            <a:extLst>
-              <a:ext uri="{FF2B5EF4-FFF2-40B4-BE49-F238E27FC236}">
-                <a16:creationId xmlns:a16="http://schemas.microsoft.com/office/drawing/2014/main" id="{0B1CDB59-5FCD-CEE6-F6C9-53C70152DF58}"/>
-              </a:ext>
-            </a:extLst>
-          </p:cNvPr>
-          <p:cNvPicPr>
-            <a:picLocks noChangeAspect="1"/>
-          </p:cNvPicPr>
-          <p:nvPr/>
-        </p:nvPicPr>
-        <p:blipFill>
-          <a:blip r:embed="rId2">
-            <a:extLst>
-              <a:ext uri="{28A0092B-C50C-407E-A947-70E740481C1C}">
-                <a14:useLocalDpi xmlns:a14="http://schemas.microsoft.com/office/drawing/2010/main" val="0"/>
-              </a:ext>
-            </a:extLst>
-          </a:blip>
-          <a:stretch>
-            <a:fillRect/>
-          </a:stretch>
-        </p:blipFill>
-        <p:spPr>
-          <a:xfrm>
-            <a:off x="7074568" y="4247473"/>
-            <a:ext cx="4279232" cy="2610527"/>
-          </a:xfrm>
-          <a:prstGeom prst="rect">
-            <a:avLst/>
-          </a:prstGeom>
-        </p:spPr>
-      </p:pic>
     </p:spTree>
     <p:extLst>
       <p:ext uri="{BB962C8B-B14F-4D97-AF65-F5344CB8AC3E}">
@@ -6012,7 +6189,7 @@
           <p:cNvPr id="2" name="Title 1">
             <a:extLst>
               <a:ext uri="{FF2B5EF4-FFF2-40B4-BE49-F238E27FC236}">
-                <a16:creationId xmlns:a16="http://schemas.microsoft.com/office/drawing/2014/main" id="{EA85647D-9B85-4135-FDC8-4412998CA206}"/>
+                <a16:creationId xmlns:a16="http://schemas.microsoft.com/office/drawing/2014/main" id="{6BE19C58-9282-1A49-EC7B-EAB6DDBBA15E}"/>
               </a:ext>
             </a:extLst>
           </p:cNvPr>
@@ -6028,125 +6205,52 @@
           <a:bodyPr/>
           <a:lstStyle/>
           <a:p>
-            <a:r>
-              <a:rPr lang="en-IN" dirty="0"/>
-              <a:t>Literature Review</a:t>
-            </a:r>
-          </a:p>
-        </p:txBody>
-      </p:sp>
-      <p:sp>
-        <p:nvSpPr>
-          <p:cNvPr id="3" name="Content Placeholder 2">
-            <a:extLst>
-              <a:ext uri="{FF2B5EF4-FFF2-40B4-BE49-F238E27FC236}">
-                <a16:creationId xmlns:a16="http://schemas.microsoft.com/office/drawing/2014/main" id="{7485F665-7E3B-0A75-0EE5-8FA0D35D261D}"/>
-              </a:ext>
-            </a:extLst>
-          </p:cNvPr>
-          <p:cNvSpPr>
-            <a:spLocks noGrp="1"/>
-          </p:cNvSpPr>
+            <a:endParaRPr lang="en-IN"/>
+          </a:p>
+        </p:txBody>
+      </p:sp>
+      <p:pic>
+        <p:nvPicPr>
+          <p:cNvPr id="5" name="Content Placeholder 4">
+            <a:extLst>
+              <a:ext uri="{FF2B5EF4-FFF2-40B4-BE49-F238E27FC236}">
+                <a16:creationId xmlns:a16="http://schemas.microsoft.com/office/drawing/2014/main" id="{0B1CDB59-5FCD-CEE6-F6C9-53C70152DF58}"/>
+              </a:ext>
+            </a:extLst>
+          </p:cNvPr>
+          <p:cNvPicPr>
+            <a:picLocks noGrp="1" noChangeAspect="1"/>
+          </p:cNvPicPr>
           <p:nvPr>
             <p:ph idx="1"/>
           </p:nvPr>
-        </p:nvSpPr>
-        <p:spPr/>
-        <p:txBody>
-          <a:bodyPr>
-            <a:noAutofit/>
-          </a:bodyPr>
-          <a:lstStyle/>
-          <a:p>
-            <a:pPr marL="0" indent="0">
-              <a:buNone/>
-            </a:pPr>
-            <a:r>
-              <a:rPr lang="en-IN" sz="2400" b="1" dirty="0"/>
-              <a:t>Optical Character Recognition</a:t>
-            </a:r>
-          </a:p>
-          <a:p>
-            <a:r>
-              <a:rPr lang="en-IN" sz="2400" dirty="0"/>
-              <a:t>Early OCR used pattern matching and template matching</a:t>
-            </a:r>
-          </a:p>
-          <a:p>
-            <a:r>
-              <a:rPr lang="en-IN" sz="2400" dirty="0"/>
-              <a:t>Modern OCR uses deep learning and convolutional neural networks</a:t>
-            </a:r>
-          </a:p>
-          <a:p>
-            <a:r>
-              <a:rPr lang="en-IN" sz="2400" dirty="0"/>
-              <a:t>Popular tools:</a:t>
-            </a:r>
-          </a:p>
-          <a:p>
-            <a:pPr lvl="1"/>
-            <a:r>
-              <a:rPr lang="en-IN" dirty="0"/>
-              <a:t>Tesseract OCR</a:t>
-            </a:r>
-          </a:p>
-          <a:p>
-            <a:pPr lvl="1"/>
-            <a:r>
-              <a:rPr lang="en-IN" dirty="0"/>
-              <a:t>Google Vision OCR</a:t>
-            </a:r>
-          </a:p>
-          <a:p>
-            <a:pPr marL="0" indent="0">
-              <a:buNone/>
-            </a:pPr>
-            <a:r>
-              <a:rPr lang="en-IN" sz="2400" b="1" dirty="0"/>
-              <a:t>Research Observations</a:t>
-            </a:r>
-          </a:p>
-          <a:p>
-            <a:r>
-              <a:rPr lang="en-IN" sz="2400" dirty="0"/>
-              <a:t>OCR accuracy depends on:</a:t>
-            </a:r>
-          </a:p>
-          <a:p>
-            <a:pPr lvl="1"/>
-            <a:r>
-              <a:rPr lang="en-IN" dirty="0"/>
-              <a:t>Image quality</a:t>
-            </a:r>
-          </a:p>
-          <a:p>
-            <a:pPr lvl="1"/>
-            <a:r>
-              <a:rPr lang="en-IN" dirty="0"/>
-              <a:t>Lighting</a:t>
-            </a:r>
-          </a:p>
-          <a:p>
-            <a:pPr lvl="1"/>
-            <a:r>
-              <a:rPr lang="en-IN" dirty="0"/>
-              <a:t>Font style</a:t>
-            </a:r>
-          </a:p>
-          <a:p>
-            <a:pPr lvl="1"/>
-            <a:r>
-              <a:rPr lang="en-IN" dirty="0"/>
-              <a:t>Noise in image</a:t>
-            </a:r>
-          </a:p>
-        </p:txBody>
-      </p:sp>
+        </p:nvPicPr>
+        <p:blipFill>
+          <a:blip r:embed="rId2">
+            <a:extLst>
+              <a:ext uri="{28A0092B-C50C-407E-A947-70E740481C1C}">
+                <a14:useLocalDpi xmlns:a14="http://schemas.microsoft.com/office/drawing/2010/main" val="0"/>
+              </a:ext>
+            </a:extLst>
+          </a:blip>
+          <a:stretch>
+            <a:fillRect/>
+          </a:stretch>
+        </p:blipFill>
+        <p:spPr>
+          <a:xfrm>
+            <a:off x="0" y="0"/>
+            <a:ext cx="12192000" cy="6858000"/>
+          </a:xfrm>
+          <a:prstGeom prst="rect">
+            <a:avLst/>
+          </a:prstGeom>
+        </p:spPr>
+      </p:pic>
     </p:spTree>
     <p:extLst>
       <p:ext uri="{BB962C8B-B14F-4D97-AF65-F5344CB8AC3E}">
-        <p14:creationId xmlns:p14="http://schemas.microsoft.com/office/powerpoint/2010/main" val="310308161"/>
+        <p14:creationId xmlns:p14="http://schemas.microsoft.com/office/powerpoint/2010/main" val="998812809"/>
       </p:ext>
     </p:extLst>
   </p:cSld>
@@ -6178,7 +6282,7 @@
           <p:cNvPr id="2" name="Title 1">
             <a:extLst>
               <a:ext uri="{FF2B5EF4-FFF2-40B4-BE49-F238E27FC236}">
-                <a16:creationId xmlns:a16="http://schemas.microsoft.com/office/drawing/2014/main" id="{88D6B6D0-4A9F-FE62-FD40-0AD5885D9842}"/>
+                <a16:creationId xmlns:a16="http://schemas.microsoft.com/office/drawing/2014/main" id="{EA85647D-9B85-4135-FDC8-4412998CA206}"/>
               </a:ext>
             </a:extLst>
           </p:cNvPr>
@@ -6194,7 +6298,10 @@
           <a:bodyPr/>
           <a:lstStyle/>
           <a:p>
-            <a:endParaRPr lang="en-IN"/>
+            <a:r>
+              <a:rPr lang="en-IN" dirty="0"/>
+              <a:t>Literature Review</a:t>
+            </a:r>
           </a:p>
         </p:txBody>
       </p:sp>
@@ -6203,7 +6310,7 @@
           <p:cNvPr id="3" name="Content Placeholder 2">
             <a:extLst>
               <a:ext uri="{FF2B5EF4-FFF2-40B4-BE49-F238E27FC236}">
-                <a16:creationId xmlns:a16="http://schemas.microsoft.com/office/drawing/2014/main" id="{1E98F18C-1EBE-4C31-C5FE-2D4721589C23}"/>
+                <a16:creationId xmlns:a16="http://schemas.microsoft.com/office/drawing/2014/main" id="{7485F665-7E3B-0A75-0EE5-8FA0D35D261D}"/>
               </a:ext>
             </a:extLst>
           </p:cNvPr>
@@ -6217,7 +6324,7 @@
         <p:spPr/>
         <p:txBody>
           <a:bodyPr>
-            <a:normAutofit/>
+            <a:noAutofit/>
           </a:bodyPr>
           <a:lstStyle/>
           <a:p>
@@ -6225,37 +6332,40 @@
               <a:buNone/>
             </a:pPr>
             <a:r>
-              <a:rPr lang="en-US" sz="2400" b="1" dirty="0"/>
-              <a:t>Transformer Models</a:t>
-            </a:r>
-          </a:p>
-          <a:p>
-            <a:r>
-              <a:rPr lang="en-US" sz="2400" dirty="0"/>
-              <a:t>Introduced in 2017 (Attention Is All You Need)</a:t>
-            </a:r>
-          </a:p>
-          <a:p>
-            <a:r>
-              <a:rPr lang="en-US" sz="2400" dirty="0"/>
-              <a:t>Uses </a:t>
-            </a:r>
-            <a:r>
-              <a:rPr lang="en-US" sz="2400" b="1" dirty="0"/>
-              <a:t>self-attention mechanism</a:t>
-            </a:r>
-            <a:endParaRPr lang="en-US" sz="2400" dirty="0"/>
-          </a:p>
-          <a:p>
-            <a:r>
-              <a:rPr lang="en-US" sz="2400" dirty="0"/>
-              <a:t>Handles long sentences efficiently</a:t>
-            </a:r>
-          </a:p>
-          <a:p>
-            <a:r>
-              <a:rPr lang="en-US" sz="2400" dirty="0"/>
-              <a:t>Currently state-of-the-art in language translation</a:t>
+              <a:rPr lang="en-IN" sz="2400" b="1" dirty="0"/>
+              <a:t>Optical Character Recognition</a:t>
+            </a:r>
+          </a:p>
+          <a:p>
+            <a:r>
+              <a:rPr lang="en-IN" sz="2400" dirty="0"/>
+              <a:t>Early OCR used pattern matching and template matching</a:t>
+            </a:r>
+          </a:p>
+          <a:p>
+            <a:r>
+              <a:rPr lang="en-IN" sz="2400" dirty="0"/>
+              <a:t>Modern OCR uses deep learning and convolutional neural networks</a:t>
+            </a:r>
+          </a:p>
+          <a:p>
+            <a:r>
+              <a:rPr lang="en-IN" sz="2400" dirty="0"/>
+              <a:t>Popular tools:</a:t>
+            </a:r>
+          </a:p>
+          <a:p>
+            <a:pPr lvl="1"/>
+            <a:r>
+              <a:rPr lang="en-IN" dirty="0"/>
+              <a:t>Tesseract OCR</a:t>
+            </a:r>
+          </a:p>
+          <a:p>
+            <a:pPr lvl="1"/>
+            <a:r>
+              <a:rPr lang="en-IN" dirty="0"/>
+              <a:t>Google Vision OCR</a:t>
             </a:r>
           </a:p>
           <a:p>
@@ -6263,37 +6373,50 @@
               <a:buNone/>
             </a:pPr>
             <a:r>
-              <a:rPr lang="en-US" sz="2400" dirty="0"/>
-              <a:t>Advantages:</a:t>
-            </a:r>
-          </a:p>
-          <a:p>
-            <a:r>
-              <a:rPr lang="en-US" sz="2400" dirty="0"/>
-              <a:t>Better grammar understanding</a:t>
-            </a:r>
-          </a:p>
-          <a:p>
-            <a:r>
-              <a:rPr lang="en-US" sz="2400" dirty="0"/>
-              <a:t>Context aware translation</a:t>
-            </a:r>
-          </a:p>
-          <a:p>
-            <a:r>
-              <a:rPr lang="en-US" sz="2400" dirty="0"/>
-              <a:t>Parallel processing</a:t>
-            </a:r>
-          </a:p>
-          <a:p>
-            <a:endParaRPr lang="en-IN" dirty="0"/>
+              <a:rPr lang="en-IN" sz="2400" b="1" dirty="0"/>
+              <a:t>Research Observations</a:t>
+            </a:r>
+          </a:p>
+          <a:p>
+            <a:r>
+              <a:rPr lang="en-IN" sz="2400" dirty="0"/>
+              <a:t>OCR accuracy depends on:</a:t>
+            </a:r>
+          </a:p>
+          <a:p>
+            <a:pPr lvl="1"/>
+            <a:r>
+              <a:rPr lang="en-IN" dirty="0"/>
+              <a:t>Image quality</a:t>
+            </a:r>
+          </a:p>
+          <a:p>
+            <a:pPr lvl="1"/>
+            <a:r>
+              <a:rPr lang="en-IN" dirty="0"/>
+              <a:t>Lighting</a:t>
+            </a:r>
+          </a:p>
+          <a:p>
+            <a:pPr lvl="1"/>
+            <a:r>
+              <a:rPr lang="en-IN" dirty="0"/>
+              <a:t>Font style</a:t>
+            </a:r>
+          </a:p>
+          <a:p>
+            <a:pPr lvl="1"/>
+            <a:r>
+              <a:rPr lang="en-IN" dirty="0"/>
+              <a:t>Noise in image</a:t>
+            </a:r>
           </a:p>
         </p:txBody>
       </p:sp>
     </p:spTree>
     <p:extLst>
       <p:ext uri="{BB962C8B-B14F-4D97-AF65-F5344CB8AC3E}">
-        <p14:creationId xmlns:p14="http://schemas.microsoft.com/office/powerpoint/2010/main" val="3098379805"/>
+        <p14:creationId xmlns:p14="http://schemas.microsoft.com/office/powerpoint/2010/main" val="310308161"/>
       </p:ext>
     </p:extLst>
   </p:cSld>
@@ -6325,7 +6448,7 @@
           <p:cNvPr id="2" name="Title 1">
             <a:extLst>
               <a:ext uri="{FF2B5EF4-FFF2-40B4-BE49-F238E27FC236}">
-                <a16:creationId xmlns:a16="http://schemas.microsoft.com/office/drawing/2014/main" id="{C5EA1533-4BE1-DF5E-D485-BD167C2BD85D}"/>
+                <a16:creationId xmlns:a16="http://schemas.microsoft.com/office/drawing/2014/main" id="{88D6B6D0-4A9F-FE62-FD40-0AD5885D9842}"/>
               </a:ext>
             </a:extLst>
           </p:cNvPr>
@@ -6341,10 +6464,7 @@
           <a:bodyPr/>
           <a:lstStyle/>
           <a:p>
-            <a:r>
-              <a:rPr lang="en-IN" dirty="0"/>
-              <a:t>Problem Statement</a:t>
-            </a:r>
+            <a:endParaRPr lang="en-IN"/>
           </a:p>
         </p:txBody>
       </p:sp>
@@ -6353,7 +6473,7 @@
           <p:cNvPr id="3" name="Content Placeholder 2">
             <a:extLst>
               <a:ext uri="{FF2B5EF4-FFF2-40B4-BE49-F238E27FC236}">
-                <a16:creationId xmlns:a16="http://schemas.microsoft.com/office/drawing/2014/main" id="{CB024CC5-00AF-876C-F7CA-146754384CB0}"/>
+                <a16:creationId xmlns:a16="http://schemas.microsoft.com/office/drawing/2014/main" id="{1E98F18C-1EBE-4C31-C5FE-2D4721589C23}"/>
               </a:ext>
             </a:extLst>
           </p:cNvPr>
@@ -6375,17 +6495,75 @@
               <a:buNone/>
             </a:pPr>
             <a:r>
+              <a:rPr lang="en-US" sz="2400" b="1" dirty="0"/>
+              <a:t>Transformer Models</a:t>
+            </a:r>
+          </a:p>
+          <a:p>
+            <a:r>
               <a:rPr lang="en-US" sz="2400" dirty="0"/>
-              <a:t>To develop an automated system that extracts English text from images and accurately translates it into Hindi using a Transformer-based Neural Machine Translation model.</a:t>
-            </a:r>
-            <a:endParaRPr lang="en-IN" sz="2400" dirty="0"/>
+              <a:t>Introduced in 2017 (Attention Is All You Need)</a:t>
+            </a:r>
+          </a:p>
+          <a:p>
+            <a:r>
+              <a:rPr lang="en-US" sz="2400" dirty="0"/>
+              <a:t>Uses </a:t>
+            </a:r>
+            <a:r>
+              <a:rPr lang="en-US" sz="2400" b="1" dirty="0"/>
+              <a:t>self-attention mechanism</a:t>
+            </a:r>
+            <a:endParaRPr lang="en-US" sz="2400" dirty="0"/>
+          </a:p>
+          <a:p>
+            <a:r>
+              <a:rPr lang="en-US" sz="2400" dirty="0"/>
+              <a:t>Handles long sentences efficiently</a:t>
+            </a:r>
+          </a:p>
+          <a:p>
+            <a:r>
+              <a:rPr lang="en-US" sz="2400" dirty="0"/>
+              <a:t>Currently state-of-the-art in language translation</a:t>
+            </a:r>
+          </a:p>
+          <a:p>
+            <a:pPr marL="0" indent="0">
+              <a:buNone/>
+            </a:pPr>
+            <a:r>
+              <a:rPr lang="en-US" sz="2400" dirty="0"/>
+              <a:t>Advantages:</a:t>
+            </a:r>
+          </a:p>
+          <a:p>
+            <a:r>
+              <a:rPr lang="en-US" sz="2400" dirty="0"/>
+              <a:t>Better grammar understanding</a:t>
+            </a:r>
+          </a:p>
+          <a:p>
+            <a:r>
+              <a:rPr lang="en-US" sz="2400" dirty="0"/>
+              <a:t>Context aware translation</a:t>
+            </a:r>
+          </a:p>
+          <a:p>
+            <a:r>
+              <a:rPr lang="en-US" sz="2400" dirty="0"/>
+              <a:t>Parallel processing</a:t>
+            </a:r>
+          </a:p>
+          <a:p>
+            <a:endParaRPr lang="en-IN" dirty="0"/>
           </a:p>
         </p:txBody>
       </p:sp>
     </p:spTree>
     <p:extLst>
       <p:ext uri="{BB962C8B-B14F-4D97-AF65-F5344CB8AC3E}">
-        <p14:creationId xmlns:p14="http://schemas.microsoft.com/office/powerpoint/2010/main" val="2374707807"/>
+        <p14:creationId xmlns:p14="http://schemas.microsoft.com/office/powerpoint/2010/main" val="3098379805"/>
       </p:ext>
     </p:extLst>
   </p:cSld>
@@ -6417,7 +6595,7 @@
           <p:cNvPr id="2" name="Title 1">
             <a:extLst>
               <a:ext uri="{FF2B5EF4-FFF2-40B4-BE49-F238E27FC236}">
-                <a16:creationId xmlns:a16="http://schemas.microsoft.com/office/drawing/2014/main" id="{DAC66CBD-FC59-BE59-2070-B5315E2C8921}"/>
+                <a16:creationId xmlns:a16="http://schemas.microsoft.com/office/drawing/2014/main" id="{C5EA1533-4BE1-DF5E-D485-BD167C2BD85D}"/>
               </a:ext>
             </a:extLst>
           </p:cNvPr>
@@ -6435,7 +6613,7 @@
           <a:p>
             <a:r>
               <a:rPr lang="en-IN" dirty="0"/>
-              <a:t>Objectives</a:t>
+              <a:t>Problem Statement</a:t>
             </a:r>
           </a:p>
         </p:txBody>
@@ -6445,7 +6623,7 @@
           <p:cNvPr id="3" name="Content Placeholder 2">
             <a:extLst>
               <a:ext uri="{FF2B5EF4-FFF2-40B4-BE49-F238E27FC236}">
-                <a16:creationId xmlns:a16="http://schemas.microsoft.com/office/drawing/2014/main" id="{CE3E25AA-71BA-D0F6-3993-32491BD06DD7}"/>
+                <a16:creationId xmlns:a16="http://schemas.microsoft.com/office/drawing/2014/main" id="{CB024CC5-00AF-876C-F7CA-146754384CB0}"/>
               </a:ext>
             </a:extLst>
           </p:cNvPr>
@@ -6463,27 +6641,12 @@
           </a:bodyPr>
           <a:lstStyle/>
           <a:p>
+            <a:pPr marL="0" indent="0">
+              <a:buNone/>
+            </a:pPr>
             <a:r>
               <a:rPr lang="en-US" sz="2400" dirty="0"/>
-              <a:t>Extract English text from images using OCR</a:t>
-            </a:r>
-          </a:p>
-          <a:p>
-            <a:r>
-              <a:rPr lang="en-US" sz="2400" dirty="0"/>
-              <a:t>Train a Transformer model on English–Hindi dataset</a:t>
-            </a:r>
-          </a:p>
-          <a:p>
-            <a:r>
-              <a:rPr lang="en-US" sz="2400" dirty="0"/>
-              <a:t>Translate extracted English sentences into Hindi</a:t>
-            </a:r>
-          </a:p>
-          <a:p>
-            <a:r>
-              <a:rPr lang="en-US" sz="2400" dirty="0"/>
-              <a:t>Build a complete end-to-end pipeline from image to translated text</a:t>
+              <a:t>To develop an automated system that extracts English text from images and accurately translates it into Hindi using a Transformer-based Neural Machine Translation model.</a:t>
             </a:r>
             <a:endParaRPr lang="en-IN" sz="2400" dirty="0"/>
           </a:p>
@@ -6492,7 +6655,7 @@
     </p:spTree>
     <p:extLst>
       <p:ext uri="{BB962C8B-B14F-4D97-AF65-F5344CB8AC3E}">
-        <p14:creationId xmlns:p14="http://schemas.microsoft.com/office/powerpoint/2010/main" val="3547097812"/>
+        <p14:creationId xmlns:p14="http://schemas.microsoft.com/office/powerpoint/2010/main" val="2374707807"/>
       </p:ext>
     </p:extLst>
   </p:cSld>
@@ -6524,7 +6687,7 @@
           <p:cNvPr id="2" name="Title 1">
             <a:extLst>
               <a:ext uri="{FF2B5EF4-FFF2-40B4-BE49-F238E27FC236}">
-                <a16:creationId xmlns:a16="http://schemas.microsoft.com/office/drawing/2014/main" id="{EAC2C796-D371-7EE6-056A-4956DC25840D}"/>
+                <a16:creationId xmlns:a16="http://schemas.microsoft.com/office/drawing/2014/main" id="{DAC66CBD-FC59-BE59-2070-B5315E2C8921}"/>
               </a:ext>
             </a:extLst>
           </p:cNvPr>
@@ -6542,7 +6705,7 @@
           <a:p>
             <a:r>
               <a:rPr lang="en-IN" dirty="0"/>
-              <a:t>Proposed Methodology</a:t>
+              <a:t>Objectives</a:t>
             </a:r>
           </a:p>
         </p:txBody>
@@ -6552,7 +6715,7 @@
           <p:cNvPr id="3" name="Content Placeholder 2">
             <a:extLst>
               <a:ext uri="{FF2B5EF4-FFF2-40B4-BE49-F238E27FC236}">
-                <a16:creationId xmlns:a16="http://schemas.microsoft.com/office/drawing/2014/main" id="{F7E7EF98-E6AD-70D5-2BE9-3A859F15DFF4}"/>
+                <a16:creationId xmlns:a16="http://schemas.microsoft.com/office/drawing/2014/main" id="{CE3E25AA-71BA-D0F6-3993-32491BD06DD7}"/>
               </a:ext>
             </a:extLst>
           </p:cNvPr>
@@ -6565,59 +6728,41 @@
         </p:nvSpPr>
         <p:spPr/>
         <p:txBody>
-          <a:bodyPr/>
-          <a:lstStyle/>
-          <a:p>
-            <a:pPr marL="0" indent="0">
-              <a:buNone/>
-            </a:pPr>
-            <a:r>
-              <a:rPr lang="en-IN" u="sng" dirty="0"/>
-              <a:t>System Architecture</a:t>
-            </a:r>
-          </a:p>
-          <a:p>
-            <a:pPr marL="0" indent="0">
-              <a:buNone/>
-            </a:pPr>
-            <a:endParaRPr lang="en-IN" u="sng" dirty="0"/>
-          </a:p>
-        </p:txBody>
-      </p:sp>
-      <p:pic>
-        <p:nvPicPr>
-          <p:cNvPr id="5" name="Picture 4">
-            <a:extLst>
-              <a:ext uri="{FF2B5EF4-FFF2-40B4-BE49-F238E27FC236}">
-                <a16:creationId xmlns:a16="http://schemas.microsoft.com/office/drawing/2014/main" id="{88020009-06F6-5FD5-C783-1902A45F1580}"/>
-              </a:ext>
-            </a:extLst>
-          </p:cNvPr>
-          <p:cNvPicPr>
-            <a:picLocks noChangeAspect="1"/>
-          </p:cNvPicPr>
-          <p:nvPr/>
-        </p:nvPicPr>
-        <p:blipFill>
-          <a:blip r:embed="rId2"/>
-          <a:stretch>
-            <a:fillRect/>
-          </a:stretch>
-        </p:blipFill>
-        <p:spPr>
-          <a:xfrm>
-            <a:off x="2771311" y="2313941"/>
-            <a:ext cx="6649378" cy="4544059"/>
-          </a:xfrm>
-          <a:prstGeom prst="rect">
-            <a:avLst/>
-          </a:prstGeom>
-        </p:spPr>
-      </p:pic>
+          <a:bodyPr>
+            <a:normAutofit/>
+          </a:bodyPr>
+          <a:lstStyle/>
+          <a:p>
+            <a:r>
+              <a:rPr lang="en-US" sz="2400" dirty="0"/>
+              <a:t>Extract English text from images using OCR</a:t>
+            </a:r>
+          </a:p>
+          <a:p>
+            <a:r>
+              <a:rPr lang="en-US" sz="2400" dirty="0"/>
+              <a:t>Train a Transformer model on English–Hindi dataset</a:t>
+            </a:r>
+          </a:p>
+          <a:p>
+            <a:r>
+              <a:rPr lang="en-US" sz="2400" dirty="0"/>
+              <a:t>Translate extracted English sentences into Hindi</a:t>
+            </a:r>
+          </a:p>
+          <a:p>
+            <a:r>
+              <a:rPr lang="en-US" sz="2400" dirty="0"/>
+              <a:t>Build a complete end-to-end pipeline from image to translated text</a:t>
+            </a:r>
+            <a:endParaRPr lang="en-IN" sz="2400" dirty="0"/>
+          </a:p>
+        </p:txBody>
+      </p:sp>
     </p:spTree>
     <p:extLst>
       <p:ext uri="{BB962C8B-B14F-4D97-AF65-F5344CB8AC3E}">
-        <p14:creationId xmlns:p14="http://schemas.microsoft.com/office/powerpoint/2010/main" val="1077724860"/>
+        <p14:creationId xmlns:p14="http://schemas.microsoft.com/office/powerpoint/2010/main" val="3547097812"/>
       </p:ext>
     </p:extLst>
   </p:cSld>

--- a/Shlok_PBL.pptx
+++ b/Shlok_PBL.pptx
@@ -5,7 +5,7 @@
     <p:sldMasterId id="2147483648" r:id="rId1"/>
   </p:sldMasterIdLst>
   <p:notesMasterIdLst>
-    <p:notesMasterId r:id="rId21"/>
+    <p:notesMasterId r:id="rId20"/>
   </p:notesMasterIdLst>
   <p:sldIdLst>
     <p:sldId id="256" r:id="rId2"/>
@@ -25,8 +25,7 @@
     <p:sldId id="273" r:id="rId16"/>
     <p:sldId id="274" r:id="rId17"/>
     <p:sldId id="267" r:id="rId18"/>
-    <p:sldId id="263" r:id="rId19"/>
-    <p:sldId id="264" r:id="rId20"/>
+    <p:sldId id="264" r:id="rId19"/>
   </p:sldIdLst>
   <p:sldSz cx="12192000" cy="6858000"/>
   <p:notesSz cx="6858000" cy="9144000"/>
@@ -133,23 +132,45 @@
 </p:presentation>
 </file>
 
-<file path=ppt/revisionInfo.xml><?xml version="1.0" encoding="utf-8"?>
-<p1510:revInfo xmlns:a="http://schemas.openxmlformats.org/drawingml/2006/main" xmlns:r="http://schemas.openxmlformats.org/officeDocument/2006/relationships" xmlns:p1510="http://schemas.microsoft.com/office/powerpoint/2015/10/main">
-  <p1510:revLst>
-    <p1510:client id="{AA2EB77A-8C08-4BE1-8E4D-C8FC48DE705E}" v="1" dt="2026-02-15T09:56:09.042"/>
-  </p1510:revLst>
-</p1510:revInfo>
-</file>
-
 <file path=ppt/changesInfos/changesInfo1.xml><?xml version="1.0" encoding="utf-8"?>
 <pc:chgInfo xmlns:a="http://schemas.openxmlformats.org/drawingml/2006/main" xmlns:r="http://schemas.openxmlformats.org/officeDocument/2006/relationships" xmlns:ac="http://schemas.microsoft.com/office/drawing/2013/main/command" xmlns:pc="http://schemas.microsoft.com/office/powerpoint/2013/main/command">
   <pc:docChgLst>
     <pc:chgData name="Shlok Mishra" userId="f39131b2fa7ce376" providerId="LiveId" clId="{1A2952F3-5A5C-45FF-AD89-A4092F607D3B}"/>
-    <pc:docChg chg="custSel addSld modSld">
-      <pc:chgData name="Shlok Mishra" userId="f39131b2fa7ce376" providerId="LiveId" clId="{1A2952F3-5A5C-45FF-AD89-A4092F607D3B}" dt="2026-02-15T09:56:27.997" v="13" actId="14100"/>
+    <pc:docChg chg="custSel addSld delSld modSld">
+      <pc:chgData name="Shlok Mishra" userId="f39131b2fa7ce376" providerId="LiveId" clId="{1A2952F3-5A5C-45FF-AD89-A4092F607D3B}" dt="2026-02-18T06:24:50.002" v="30" actId="20577"/>
       <pc:docMkLst>
         <pc:docMk/>
       </pc:docMkLst>
+      <pc:sldChg chg="modSp mod">
+        <pc:chgData name="Shlok Mishra" userId="f39131b2fa7ce376" providerId="LiveId" clId="{1A2952F3-5A5C-45FF-AD89-A4092F607D3B}" dt="2026-02-18T06:19:15.153" v="19" actId="12"/>
+        <pc:sldMkLst>
+          <pc:docMk/>
+          <pc:sldMk cId="2878976597" sldId="258"/>
+        </pc:sldMkLst>
+        <pc:spChg chg="mod">
+          <ac:chgData name="Shlok Mishra" userId="f39131b2fa7ce376" providerId="LiveId" clId="{1A2952F3-5A5C-45FF-AD89-A4092F607D3B}" dt="2026-02-18T06:19:15.153" v="19" actId="12"/>
+          <ac:spMkLst>
+            <pc:docMk/>
+            <pc:sldMk cId="2878976597" sldId="258"/>
+            <ac:spMk id="3" creationId="{E031CBD1-1236-BD10-F9B4-E2675BA38ED1}"/>
+          </ac:spMkLst>
+        </pc:spChg>
+      </pc:sldChg>
+      <pc:sldChg chg="modSp mod">
+        <pc:chgData name="Shlok Mishra" userId="f39131b2fa7ce376" providerId="LiveId" clId="{1A2952F3-5A5C-45FF-AD89-A4092F607D3B}" dt="2026-02-18T06:20:36.860" v="20" actId="1076"/>
+        <pc:sldMkLst>
+          <pc:docMk/>
+          <pc:sldMk cId="310308161" sldId="259"/>
+        </pc:sldMkLst>
+        <pc:spChg chg="mod">
+          <ac:chgData name="Shlok Mishra" userId="f39131b2fa7ce376" providerId="LiveId" clId="{1A2952F3-5A5C-45FF-AD89-A4092F607D3B}" dt="2026-02-18T06:20:36.860" v="20" actId="1076"/>
+          <ac:spMkLst>
+            <pc:docMk/>
+            <pc:sldMk cId="310308161" sldId="259"/>
+            <ac:spMk id="3" creationId="{7485F665-7E3B-0A75-0EE5-8FA0D35D261D}"/>
+          </ac:spMkLst>
+        </pc:spChg>
+      </pc:sldChg>
       <pc:sldChg chg="modSp mod">
         <pc:chgData name="Shlok Mishra" userId="f39131b2fa7ce376" providerId="LiveId" clId="{1A2952F3-5A5C-45FF-AD89-A4092F607D3B}" dt="2026-02-15T09:55:52.062" v="5" actId="1076"/>
         <pc:sldMkLst>
@@ -181,20 +202,34 @@
           </ac:picMkLst>
         </pc:picChg>
       </pc:sldChg>
+      <pc:sldChg chg="del">
+        <pc:chgData name="Shlok Mishra" userId="f39131b2fa7ce376" providerId="LiveId" clId="{1A2952F3-5A5C-45FF-AD89-A4092F607D3B}" dt="2026-02-18T06:24:30.929" v="21" actId="47"/>
+        <pc:sldMkLst>
+          <pc:docMk/>
+          <pc:sldMk cId="2724917500" sldId="263"/>
+        </pc:sldMkLst>
+      </pc:sldChg>
+      <pc:sldChg chg="modSp mod">
+        <pc:chgData name="Shlok Mishra" userId="f39131b2fa7ce376" providerId="LiveId" clId="{1A2952F3-5A5C-45FF-AD89-A4092F607D3B}" dt="2026-02-18T06:24:50.002" v="30" actId="20577"/>
+        <pc:sldMkLst>
+          <pc:docMk/>
+          <pc:sldMk cId="2154956931" sldId="267"/>
+        </pc:sldMkLst>
+        <pc:spChg chg="mod">
+          <ac:chgData name="Shlok Mishra" userId="f39131b2fa7ce376" providerId="LiveId" clId="{1A2952F3-5A5C-45FF-AD89-A4092F607D3B}" dt="2026-02-18T06:24:50.002" v="30" actId="20577"/>
+          <ac:spMkLst>
+            <pc:docMk/>
+            <pc:sldMk cId="2154956931" sldId="267"/>
+            <ac:spMk id="3" creationId="{996084D1-BF8A-599C-4DEE-5FD15C78EC1C}"/>
+          </ac:spMkLst>
+        </pc:spChg>
+      </pc:sldChg>
       <pc:sldChg chg="delSp mod">
         <pc:chgData name="Shlok Mishra" userId="f39131b2fa7ce376" providerId="LiveId" clId="{1A2952F3-5A5C-45FF-AD89-A4092F607D3B}" dt="2026-02-15T09:56:03.011" v="6" actId="21"/>
         <pc:sldMkLst>
           <pc:docMk/>
           <pc:sldMk cId="2065781088" sldId="268"/>
         </pc:sldMkLst>
-        <pc:picChg chg="del">
-          <ac:chgData name="Shlok Mishra" userId="f39131b2fa7ce376" providerId="LiveId" clId="{1A2952F3-5A5C-45FF-AD89-A4092F607D3B}" dt="2026-02-15T09:56:03.011" v="6" actId="21"/>
-          <ac:picMkLst>
-            <pc:docMk/>
-            <pc:sldMk cId="2065781088" sldId="268"/>
-            <ac:picMk id="5" creationId="{0B1CDB59-5FCD-CEE6-F6C9-53C70152DF58}"/>
-          </ac:picMkLst>
-        </pc:picChg>
       </pc:sldChg>
       <pc:sldChg chg="addSp delSp modSp new mod">
         <pc:chgData name="Shlok Mishra" userId="f39131b2fa7ce376" providerId="LiveId" clId="{1A2952F3-5A5C-45FF-AD89-A4092F607D3B}" dt="2026-02-15T09:56:27.997" v="13" actId="14100"/>
@@ -202,14 +237,6 @@
           <pc:docMk/>
           <pc:sldMk cId="998812809" sldId="275"/>
         </pc:sldMkLst>
-        <pc:spChg chg="del">
-          <ac:chgData name="Shlok Mishra" userId="f39131b2fa7ce376" providerId="LiveId" clId="{1A2952F3-5A5C-45FF-AD89-A4092F607D3B}" dt="2026-02-15T09:56:09.041" v="8"/>
-          <ac:spMkLst>
-            <pc:docMk/>
-            <pc:sldMk cId="998812809" sldId="275"/>
-            <ac:spMk id="3" creationId="{7AAFF354-1BA1-8B16-A790-2E2ADED8FD80}"/>
-          </ac:spMkLst>
-        </pc:spChg>
         <pc:picChg chg="add mod">
           <ac:chgData name="Shlok Mishra" userId="f39131b2fa7ce376" providerId="LiveId" clId="{1A2952F3-5A5C-45FF-AD89-A4092F607D3B}" dt="2026-02-15T09:56:27.997" v="13" actId="14100"/>
           <ac:picMkLst>
@@ -306,7 +333,7 @@
           <a:p>
             <a:fld id="{6AA4878C-C09C-4E62-B776-3DE791D8B412}" type="datetimeFigureOut">
               <a:rPr lang="en-IN" smtClean="0"/>
-              <a:t>15-02-2026</a:t>
+              <a:t>18-02-2026</a:t>
             </a:fld>
             <a:endParaRPr lang="en-IN"/>
           </a:p>
@@ -807,7 +834,7 @@
           <a:p>
             <a:fld id="{A7FACB4A-C46D-47C8-95BF-463F9F428625}" type="datetimeFigureOut">
               <a:rPr lang="en-IN" smtClean="0"/>
-              <a:t>15-02-2026</a:t>
+              <a:t>18-02-2026</a:t>
             </a:fld>
             <a:endParaRPr lang="en-IN"/>
           </a:p>
@@ -1007,7 +1034,7 @@
           <a:p>
             <a:fld id="{A7FACB4A-C46D-47C8-95BF-463F9F428625}" type="datetimeFigureOut">
               <a:rPr lang="en-IN" smtClean="0"/>
-              <a:t>15-02-2026</a:t>
+              <a:t>18-02-2026</a:t>
             </a:fld>
             <a:endParaRPr lang="en-IN"/>
           </a:p>
@@ -1217,7 +1244,7 @@
           <a:p>
             <a:fld id="{A7FACB4A-C46D-47C8-95BF-463F9F428625}" type="datetimeFigureOut">
               <a:rPr lang="en-IN" smtClean="0"/>
-              <a:t>15-02-2026</a:t>
+              <a:t>18-02-2026</a:t>
             </a:fld>
             <a:endParaRPr lang="en-IN"/>
           </a:p>
@@ -1417,7 +1444,7 @@
           <a:p>
             <a:fld id="{A7FACB4A-C46D-47C8-95BF-463F9F428625}" type="datetimeFigureOut">
               <a:rPr lang="en-IN" smtClean="0"/>
-              <a:t>15-02-2026</a:t>
+              <a:t>18-02-2026</a:t>
             </a:fld>
             <a:endParaRPr lang="en-IN"/>
           </a:p>
@@ -1693,7 +1720,7 @@
           <a:p>
             <a:fld id="{A7FACB4A-C46D-47C8-95BF-463F9F428625}" type="datetimeFigureOut">
               <a:rPr lang="en-IN" smtClean="0"/>
-              <a:t>15-02-2026</a:t>
+              <a:t>18-02-2026</a:t>
             </a:fld>
             <a:endParaRPr lang="en-IN"/>
           </a:p>
@@ -1961,7 +1988,7 @@
           <a:p>
             <a:fld id="{A7FACB4A-C46D-47C8-95BF-463F9F428625}" type="datetimeFigureOut">
               <a:rPr lang="en-IN" smtClean="0"/>
-              <a:t>15-02-2026</a:t>
+              <a:t>18-02-2026</a:t>
             </a:fld>
             <a:endParaRPr lang="en-IN"/>
           </a:p>
@@ -2376,7 +2403,7 @@
           <a:p>
             <a:fld id="{A7FACB4A-C46D-47C8-95BF-463F9F428625}" type="datetimeFigureOut">
               <a:rPr lang="en-IN" smtClean="0"/>
-              <a:t>15-02-2026</a:t>
+              <a:t>18-02-2026</a:t>
             </a:fld>
             <a:endParaRPr lang="en-IN"/>
           </a:p>
@@ -2518,7 +2545,7 @@
           <a:p>
             <a:fld id="{A7FACB4A-C46D-47C8-95BF-463F9F428625}" type="datetimeFigureOut">
               <a:rPr lang="en-IN" smtClean="0"/>
-              <a:t>15-02-2026</a:t>
+              <a:t>18-02-2026</a:t>
             </a:fld>
             <a:endParaRPr lang="en-IN"/>
           </a:p>
@@ -2631,7 +2658,7 @@
           <a:p>
             <a:fld id="{A7FACB4A-C46D-47C8-95BF-463F9F428625}" type="datetimeFigureOut">
               <a:rPr lang="en-IN" smtClean="0"/>
-              <a:t>15-02-2026</a:t>
+              <a:t>18-02-2026</a:t>
             </a:fld>
             <a:endParaRPr lang="en-IN"/>
           </a:p>
@@ -2944,7 +2971,7 @@
           <a:p>
             <a:fld id="{A7FACB4A-C46D-47C8-95BF-463F9F428625}" type="datetimeFigureOut">
               <a:rPr lang="en-IN" smtClean="0"/>
-              <a:t>15-02-2026</a:t>
+              <a:t>18-02-2026</a:t>
             </a:fld>
             <a:endParaRPr lang="en-IN"/>
           </a:p>
@@ -3233,7 +3260,7 @@
           <a:p>
             <a:fld id="{A7FACB4A-C46D-47C8-95BF-463F9F428625}" type="datetimeFigureOut">
               <a:rPr lang="en-IN" smtClean="0"/>
-              <a:t>15-02-2026</a:t>
+              <a:t>18-02-2026</a:t>
             </a:fld>
             <a:endParaRPr lang="en-IN"/>
           </a:p>
@@ -3476,7 +3503,7 @@
           <a:p>
             <a:fld id="{A7FACB4A-C46D-47C8-95BF-463F9F428625}" type="datetimeFigureOut">
               <a:rPr lang="en-IN" smtClean="0"/>
-              <a:t>15-02-2026</a:t>
+              <a:t>18-02-2026</a:t>
             </a:fld>
             <a:endParaRPr lang="en-IN"/>
           </a:p>
@@ -5560,8 +5587,13 @@
           <a:p>
             <a:r>
               <a:rPr lang="en-US" sz="2400" dirty="0"/>
-              <a:t>Research Paper (Drafted)</a:t>
-            </a:r>
+              <a:t>Research </a:t>
+            </a:r>
+            <a:r>
+              <a:rPr lang="en-US" sz="2400"/>
+              <a:t>Paper </a:t>
+            </a:r>
+            <a:endParaRPr lang="en-US" sz="2400" dirty="0"/>
           </a:p>
           <a:p>
             <a:r>
@@ -5603,95 +5635,6 @@
       </p:grpSpPr>
       <p:sp>
         <p:nvSpPr>
-          <p:cNvPr id="2" name="Title 1">
-            <a:extLst>
-              <a:ext uri="{FF2B5EF4-FFF2-40B4-BE49-F238E27FC236}">
-                <a16:creationId xmlns:a16="http://schemas.microsoft.com/office/drawing/2014/main" id="{5C6C5325-4A51-AE05-7BE6-440D74D0BCB6}"/>
-              </a:ext>
-            </a:extLst>
-          </p:cNvPr>
-          <p:cNvSpPr>
-            <a:spLocks noGrp="1"/>
-          </p:cNvSpPr>
-          <p:nvPr>
-            <p:ph type="title"/>
-          </p:nvPr>
-        </p:nvSpPr>
-        <p:spPr/>
-        <p:txBody>
-          <a:bodyPr/>
-          <a:lstStyle/>
-          <a:p>
-            <a:r>
-              <a:rPr lang="en-IN" dirty="0"/>
-              <a:t>References</a:t>
-            </a:r>
-          </a:p>
-        </p:txBody>
-      </p:sp>
-      <p:sp>
-        <p:nvSpPr>
-          <p:cNvPr id="3" name="Content Placeholder 2">
-            <a:extLst>
-              <a:ext uri="{FF2B5EF4-FFF2-40B4-BE49-F238E27FC236}">
-                <a16:creationId xmlns:a16="http://schemas.microsoft.com/office/drawing/2014/main" id="{A6188C38-4C0A-7C78-2FF6-39EB62252E81}"/>
-              </a:ext>
-            </a:extLst>
-          </p:cNvPr>
-          <p:cNvSpPr>
-            <a:spLocks noGrp="1"/>
-          </p:cNvSpPr>
-          <p:nvPr>
-            <p:ph idx="1"/>
-          </p:nvPr>
-        </p:nvSpPr>
-        <p:spPr/>
-        <p:txBody>
-          <a:bodyPr/>
-          <a:lstStyle/>
-          <a:p>
-            <a:pPr marL="0" indent="0">
-              <a:buNone/>
-            </a:pPr>
-            <a:r>
-              <a:rPr lang="en-IN" dirty="0"/>
-              <a:t>&lt;One slide&gt;</a:t>
-            </a:r>
-          </a:p>
-        </p:txBody>
-      </p:sp>
-    </p:spTree>
-    <p:extLst>
-      <p:ext uri="{BB962C8B-B14F-4D97-AF65-F5344CB8AC3E}">
-        <p14:creationId xmlns:p14="http://schemas.microsoft.com/office/powerpoint/2010/main" val="2724917500"/>
-      </p:ext>
-    </p:extLst>
-  </p:cSld>
-  <p:clrMapOvr>
-    <a:masterClrMapping/>
-  </p:clrMapOvr>
-</p:sld>
-</file>
-
-<file path=ppt/slides/slide19.xml><?xml version="1.0" encoding="utf-8"?>
-<p:sld xmlns:a="http://schemas.openxmlformats.org/drawingml/2006/main" xmlns:r="http://schemas.openxmlformats.org/officeDocument/2006/relationships" xmlns:p="http://schemas.openxmlformats.org/presentationml/2006/main">
-  <p:cSld>
-    <p:spTree>
-      <p:nvGrpSpPr>
-        <p:cNvPr id="1" name=""/>
-        <p:cNvGrpSpPr/>
-        <p:nvPr/>
-      </p:nvGrpSpPr>
-      <p:grpSpPr>
-        <a:xfrm>
-          <a:off x="0" y="0"/>
-          <a:ext cx="0" cy="0"/>
-          <a:chOff x="0" y="0"/>
-          <a:chExt cx="0" cy="0"/>
-        </a:xfrm>
-      </p:grpSpPr>
-      <p:sp>
-        <p:nvSpPr>
           <p:cNvPr id="4" name="Title 3">
             <a:extLst>
               <a:ext uri="{FF2B5EF4-FFF2-40B4-BE49-F238E27FC236}">
@@ -5944,13 +5887,21 @@
             <p:ph idx="1"/>
           </p:nvPr>
         </p:nvSpPr>
-        <p:spPr/>
+        <p:spPr>
+          <a:xfrm>
+            <a:off x="838200" y="1690688"/>
+            <a:ext cx="10515600" cy="4351338"/>
+          </a:xfrm>
+        </p:spPr>
         <p:txBody>
           <a:bodyPr>
             <a:normAutofit fontScale="25000" lnSpcReduction="20000"/>
           </a:bodyPr>
           <a:lstStyle/>
           <a:p>
+            <a:pPr marL="0" indent="0">
+              <a:buNone/>
+            </a:pPr>
             <a:r>
               <a:rPr lang="en-US" sz="9600" b="1" dirty="0"/>
               <a:t>Background</a:t>
@@ -5991,34 +5942,49 @@
             </a:r>
           </a:p>
           <a:p>
-            <a:pPr lvl="1"/>
+            <a:pPr lvl="1">
+              <a:buFont typeface="Wingdings" panose="05000000000000000000" pitchFamily="2" charset="2"/>
+              <a:buChar char="§"/>
+            </a:pPr>
             <a:r>
               <a:rPr lang="en-US" sz="9600" dirty="0"/>
               <a:t>Government forms</a:t>
             </a:r>
           </a:p>
           <a:p>
-            <a:pPr lvl="1"/>
+            <a:pPr lvl="1">
+              <a:buFont typeface="Wingdings" panose="05000000000000000000" pitchFamily="2" charset="2"/>
+              <a:buChar char="§"/>
+            </a:pPr>
             <a:r>
               <a:rPr lang="en-US" sz="9600" dirty="0"/>
               <a:t>Medical prescriptions</a:t>
             </a:r>
           </a:p>
           <a:p>
-            <a:pPr lvl="1"/>
+            <a:pPr lvl="1">
+              <a:buFont typeface="Wingdings" panose="05000000000000000000" pitchFamily="2" charset="2"/>
+              <a:buChar char="§"/>
+            </a:pPr>
             <a:r>
               <a:rPr lang="en-US" sz="9600" dirty="0"/>
               <a:t>Educational material</a:t>
             </a:r>
           </a:p>
           <a:p>
-            <a:pPr lvl="1"/>
+            <a:pPr lvl="1">
+              <a:buFont typeface="Wingdings" panose="05000000000000000000" pitchFamily="2" charset="2"/>
+              <a:buChar char="§"/>
+            </a:pPr>
             <a:r>
               <a:rPr lang="en-US" sz="9600" dirty="0"/>
               <a:t>Historical records</a:t>
             </a:r>
           </a:p>
           <a:p>
+            <a:pPr marL="0" indent="0">
+              <a:buNone/>
+            </a:pPr>
             <a:r>
               <a:rPr lang="en-US" sz="9600" b="1" dirty="0"/>
               <a:t>Key Technologies Used</a:t>
@@ -6321,7 +6287,12 @@
             <p:ph idx="1"/>
           </p:nvPr>
         </p:nvSpPr>
-        <p:spPr/>
+        <p:spPr>
+          <a:xfrm>
+            <a:off x="838200" y="1690688"/>
+            <a:ext cx="10515600" cy="4351338"/>
+          </a:xfrm>
+        </p:spPr>
         <p:txBody>
           <a:bodyPr>
             <a:noAutofit/>

--- a/Shlok_PBL.pptx
+++ b/Shlok_PBL.pptx
@@ -137,10 +137,25 @@
   <pc:docChgLst>
     <pc:chgData name="Shlok Mishra" userId="f39131b2fa7ce376" providerId="LiveId" clId="{1A2952F3-5A5C-45FF-AD89-A4092F607D3B}"/>
     <pc:docChg chg="custSel addSld delSld modSld">
-      <pc:chgData name="Shlok Mishra" userId="f39131b2fa7ce376" providerId="LiveId" clId="{1A2952F3-5A5C-45FF-AD89-A4092F607D3B}" dt="2026-02-18T06:24:50.002" v="30" actId="20577"/>
+      <pc:chgData name="Shlok Mishra" userId="f39131b2fa7ce376" providerId="LiveId" clId="{1A2952F3-5A5C-45FF-AD89-A4092F607D3B}" dt="2026-02-18T06:30:37.767" v="31" actId="20577"/>
       <pc:docMkLst>
         <pc:docMk/>
       </pc:docMkLst>
+      <pc:sldChg chg="modSp mod">
+        <pc:chgData name="Shlok Mishra" userId="f39131b2fa7ce376" providerId="LiveId" clId="{1A2952F3-5A5C-45FF-AD89-A4092F607D3B}" dt="2026-02-18T06:30:37.767" v="31" actId="20577"/>
+        <pc:sldMkLst>
+          <pc:docMk/>
+          <pc:sldMk cId="380237416" sldId="256"/>
+        </pc:sldMkLst>
+        <pc:spChg chg="mod">
+          <ac:chgData name="Shlok Mishra" userId="f39131b2fa7ce376" providerId="LiveId" clId="{1A2952F3-5A5C-45FF-AD89-A4092F607D3B}" dt="2026-02-18T06:30:37.767" v="31" actId="20577"/>
+          <ac:spMkLst>
+            <pc:docMk/>
+            <pc:sldMk cId="380237416" sldId="256"/>
+            <ac:spMk id="2" creationId="{874FB14B-13FD-63D0-B558-FA2B9FA1B8F9}"/>
+          </ac:spMkLst>
+        </pc:spChg>
+      </pc:sldChg>
       <pc:sldChg chg="modSp mod">
         <pc:chgData name="Shlok Mishra" userId="f39131b2fa7ce376" providerId="LiveId" clId="{1A2952F3-5A5C-45FF-AD89-A4092F607D3B}" dt="2026-02-18T06:19:15.153" v="19" actId="12"/>
         <pc:sldMkLst>
@@ -3950,7 +3965,7 @@
           <a:p>
             <a:r>
               <a:rPr lang="en-US" dirty="0"/>
-              <a:t>English Text Extraction using OCR and Translation to Hindi using Transformer Mode</a:t>
+              <a:t>English Text Extraction using OCR and Translation to Hindi using Transformer Model</a:t>
             </a:r>
             <a:endParaRPr lang="en-IN" dirty="0"/>
           </a:p>
